--- a/ppt 16-9/1541.祢坐着为王.pptx
+++ b/ppt 16-9/1541.祢坐着为王.pptx
@@ -5,7 +5,7 @@
     <p:sldMasterId id="2147483648" r:id="rId1"/>
   </p:sldMasterIdLst>
   <p:sldIdLst>
-    <p:sldId id="3389" r:id="rId2"/>
+    <p:sldId id="3391" r:id="rId2"/>
   </p:sldIdLst>
   <p:sldSz cx="12192000" cy="6858000"/>
   <p:notesSz cx="6858000" cy="9144000"/>
@@ -129,7 +129,7 @@
           <p:cNvPr id="2" name="标题 1">
             <a:extLst>
               <a:ext uri="{FF2B5EF4-FFF2-40B4-BE49-F238E27FC236}">
-                <a16:creationId xmlns:a16="http://schemas.microsoft.com/office/drawing/2014/main" id="{904419AD-0D1A-14F5-5DAA-A4424A24BAEB}"/>
+                <a16:creationId xmlns:a16="http://schemas.microsoft.com/office/drawing/2014/main" id="{85D184C3-27A4-1B94-B67A-3FA6AE89D2A7}"/>
               </a:ext>
             </a:extLst>
           </p:cNvPr>
@@ -166,7 +166,7 @@
           <p:cNvPr id="3" name="副标题 2">
             <a:extLst>
               <a:ext uri="{FF2B5EF4-FFF2-40B4-BE49-F238E27FC236}">
-                <a16:creationId xmlns:a16="http://schemas.microsoft.com/office/drawing/2014/main" id="{1281BADF-567E-2AEF-6DB4-B15528D0765D}"/>
+                <a16:creationId xmlns:a16="http://schemas.microsoft.com/office/drawing/2014/main" id="{BECF9C55-8DA1-388F-6D07-4681EE57F7B6}"/>
               </a:ext>
             </a:extLst>
           </p:cNvPr>
@@ -236,7 +236,7 @@
           <p:cNvPr id="4" name="日期占位符 3">
             <a:extLst>
               <a:ext uri="{FF2B5EF4-FFF2-40B4-BE49-F238E27FC236}">
-                <a16:creationId xmlns:a16="http://schemas.microsoft.com/office/drawing/2014/main" id="{4B395B2D-C501-2B4C-556B-81DE36A06EBB}"/>
+                <a16:creationId xmlns:a16="http://schemas.microsoft.com/office/drawing/2014/main" id="{48C61501-9A8F-BE91-3BE0-C3EB3A09C36B}"/>
               </a:ext>
             </a:extLst>
           </p:cNvPr>
@@ -252,7 +252,7 @@
           <a:bodyPr/>
           <a:lstStyle/>
           <a:p>
-            <a:fld id="{040CD928-B746-4892-8279-24CB24CDE1B6}" type="datetimeFigureOut">
+            <a:fld id="{CDF302BF-F07C-43D3-99E3-7638257EFFAC}" type="datetimeFigureOut">
               <a:rPr lang="zh-CN" altLang="en-US" smtClean="0"/>
               <a:t>2024/3/10</a:t>
             </a:fld>
@@ -265,7 +265,7 @@
           <p:cNvPr id="5" name="页脚占位符 4">
             <a:extLst>
               <a:ext uri="{FF2B5EF4-FFF2-40B4-BE49-F238E27FC236}">
-                <a16:creationId xmlns:a16="http://schemas.microsoft.com/office/drawing/2014/main" id="{D94E25C7-D695-0CF1-B90C-E8D6CE288DD2}"/>
+                <a16:creationId xmlns:a16="http://schemas.microsoft.com/office/drawing/2014/main" id="{DFB029E1-8B21-4ABC-0935-FFA41BB81011}"/>
               </a:ext>
             </a:extLst>
           </p:cNvPr>
@@ -290,7 +290,7 @@
           <p:cNvPr id="6" name="灯片编号占位符 5">
             <a:extLst>
               <a:ext uri="{FF2B5EF4-FFF2-40B4-BE49-F238E27FC236}">
-                <a16:creationId xmlns:a16="http://schemas.microsoft.com/office/drawing/2014/main" id="{958CF385-E218-F1C3-AA00-9181EDA6098A}"/>
+                <a16:creationId xmlns:a16="http://schemas.microsoft.com/office/drawing/2014/main" id="{CD9F158C-EDB7-34F2-373D-0373DDF36D1F}"/>
               </a:ext>
             </a:extLst>
           </p:cNvPr>
@@ -306,7 +306,7 @@
           <a:bodyPr/>
           <a:lstStyle/>
           <a:p>
-            <a:fld id="{BD5A8B78-1B2D-49B6-BD5A-A7C2A476D6FC}" type="slidenum">
+            <a:fld id="{49726BAD-B2D8-4CF7-9013-CB581FCB5DD4}" type="slidenum">
               <a:rPr lang="zh-CN" altLang="en-US" smtClean="0"/>
               <a:t>‹#›</a:t>
             </a:fld>
@@ -317,7 +317,7 @@
     </p:spTree>
     <p:extLst>
       <p:ext uri="{BB962C8B-B14F-4D97-AF65-F5344CB8AC3E}">
-        <p14:creationId xmlns:p14="http://schemas.microsoft.com/office/powerpoint/2010/main" val="153356250"/>
+        <p14:creationId xmlns:p14="http://schemas.microsoft.com/office/powerpoint/2010/main" val="408352407"/>
       </p:ext>
     </p:extLst>
   </p:cSld>
@@ -349,7 +349,7 @@
           <p:cNvPr id="2" name="标题 1">
             <a:extLst>
               <a:ext uri="{FF2B5EF4-FFF2-40B4-BE49-F238E27FC236}">
-                <a16:creationId xmlns:a16="http://schemas.microsoft.com/office/drawing/2014/main" id="{CB78D64F-A17E-EC86-E07F-BF2E575A5CD7}"/>
+                <a16:creationId xmlns:a16="http://schemas.microsoft.com/office/drawing/2014/main" id="{23A92F61-DF41-56B7-989A-28F8CB18C91C}"/>
               </a:ext>
             </a:extLst>
           </p:cNvPr>
@@ -377,7 +377,7 @@
           <p:cNvPr id="3" name="竖排文字占位符 2">
             <a:extLst>
               <a:ext uri="{FF2B5EF4-FFF2-40B4-BE49-F238E27FC236}">
-                <a16:creationId xmlns:a16="http://schemas.microsoft.com/office/drawing/2014/main" id="{207E115C-D58A-3DF2-6EA4-550B254B95AB}"/>
+                <a16:creationId xmlns:a16="http://schemas.microsoft.com/office/drawing/2014/main" id="{9A914BD4-2D35-A4D9-ED5B-F56FF6225EFB}"/>
               </a:ext>
             </a:extLst>
           </p:cNvPr>
@@ -434,7 +434,7 @@
           <p:cNvPr id="4" name="日期占位符 3">
             <a:extLst>
               <a:ext uri="{FF2B5EF4-FFF2-40B4-BE49-F238E27FC236}">
-                <a16:creationId xmlns:a16="http://schemas.microsoft.com/office/drawing/2014/main" id="{06DCC240-4FE0-AA2F-08F3-8D3F68B150D4}"/>
+                <a16:creationId xmlns:a16="http://schemas.microsoft.com/office/drawing/2014/main" id="{66002609-7972-EF78-F790-B53162269F59}"/>
               </a:ext>
             </a:extLst>
           </p:cNvPr>
@@ -450,7 +450,7 @@
           <a:bodyPr/>
           <a:lstStyle/>
           <a:p>
-            <a:fld id="{040CD928-B746-4892-8279-24CB24CDE1B6}" type="datetimeFigureOut">
+            <a:fld id="{CDF302BF-F07C-43D3-99E3-7638257EFFAC}" type="datetimeFigureOut">
               <a:rPr lang="zh-CN" altLang="en-US" smtClean="0"/>
               <a:t>2024/3/10</a:t>
             </a:fld>
@@ -463,7 +463,7 @@
           <p:cNvPr id="5" name="页脚占位符 4">
             <a:extLst>
               <a:ext uri="{FF2B5EF4-FFF2-40B4-BE49-F238E27FC236}">
-                <a16:creationId xmlns:a16="http://schemas.microsoft.com/office/drawing/2014/main" id="{3AC3BF5A-905A-A19E-08C3-89089A7387BD}"/>
+                <a16:creationId xmlns:a16="http://schemas.microsoft.com/office/drawing/2014/main" id="{5E7E8F53-C9C4-F0C2-5E7F-B667CB1D9D15}"/>
               </a:ext>
             </a:extLst>
           </p:cNvPr>
@@ -488,7 +488,7 @@
           <p:cNvPr id="6" name="灯片编号占位符 5">
             <a:extLst>
               <a:ext uri="{FF2B5EF4-FFF2-40B4-BE49-F238E27FC236}">
-                <a16:creationId xmlns:a16="http://schemas.microsoft.com/office/drawing/2014/main" id="{81A96510-7E04-44AD-06D1-7E47345C39D7}"/>
+                <a16:creationId xmlns:a16="http://schemas.microsoft.com/office/drawing/2014/main" id="{8393FD58-2E30-B9AF-4957-1C8F2A6D9500}"/>
               </a:ext>
             </a:extLst>
           </p:cNvPr>
@@ -504,7 +504,7 @@
           <a:bodyPr/>
           <a:lstStyle/>
           <a:p>
-            <a:fld id="{BD5A8B78-1B2D-49B6-BD5A-A7C2A476D6FC}" type="slidenum">
+            <a:fld id="{49726BAD-B2D8-4CF7-9013-CB581FCB5DD4}" type="slidenum">
               <a:rPr lang="zh-CN" altLang="en-US" smtClean="0"/>
               <a:t>‹#›</a:t>
             </a:fld>
@@ -515,7 +515,7 @@
     </p:spTree>
     <p:extLst>
       <p:ext uri="{BB962C8B-B14F-4D97-AF65-F5344CB8AC3E}">
-        <p14:creationId xmlns:p14="http://schemas.microsoft.com/office/powerpoint/2010/main" val="920217174"/>
+        <p14:creationId xmlns:p14="http://schemas.microsoft.com/office/powerpoint/2010/main" val="983337993"/>
       </p:ext>
     </p:extLst>
   </p:cSld>
@@ -547,7 +547,7 @@
           <p:cNvPr id="2" name="竖排标题 1">
             <a:extLst>
               <a:ext uri="{FF2B5EF4-FFF2-40B4-BE49-F238E27FC236}">
-                <a16:creationId xmlns:a16="http://schemas.microsoft.com/office/drawing/2014/main" id="{E5A10BEE-072E-CEEB-D7EE-83CC655C1E13}"/>
+                <a16:creationId xmlns:a16="http://schemas.microsoft.com/office/drawing/2014/main" id="{4EADD19F-2A1A-B4C9-45A2-5E6A73764AF8}"/>
               </a:ext>
             </a:extLst>
           </p:cNvPr>
@@ -580,7 +580,7 @@
           <p:cNvPr id="3" name="竖排文字占位符 2">
             <a:extLst>
               <a:ext uri="{FF2B5EF4-FFF2-40B4-BE49-F238E27FC236}">
-                <a16:creationId xmlns:a16="http://schemas.microsoft.com/office/drawing/2014/main" id="{FCDB5DE3-962A-4851-95B1-32968E4ACDBD}"/>
+                <a16:creationId xmlns:a16="http://schemas.microsoft.com/office/drawing/2014/main" id="{583CEAE9-2FED-B6FF-0C32-E212009E1C4E}"/>
               </a:ext>
             </a:extLst>
           </p:cNvPr>
@@ -642,7 +642,7 @@
           <p:cNvPr id="4" name="日期占位符 3">
             <a:extLst>
               <a:ext uri="{FF2B5EF4-FFF2-40B4-BE49-F238E27FC236}">
-                <a16:creationId xmlns:a16="http://schemas.microsoft.com/office/drawing/2014/main" id="{0F5645C9-A17A-10E7-0EF3-848837A21E2E}"/>
+                <a16:creationId xmlns:a16="http://schemas.microsoft.com/office/drawing/2014/main" id="{68F3AE7D-BF5C-7657-0629-FA2FE361F30F}"/>
               </a:ext>
             </a:extLst>
           </p:cNvPr>
@@ -658,7 +658,7 @@
           <a:bodyPr/>
           <a:lstStyle/>
           <a:p>
-            <a:fld id="{040CD928-B746-4892-8279-24CB24CDE1B6}" type="datetimeFigureOut">
+            <a:fld id="{CDF302BF-F07C-43D3-99E3-7638257EFFAC}" type="datetimeFigureOut">
               <a:rPr lang="zh-CN" altLang="en-US" smtClean="0"/>
               <a:t>2024/3/10</a:t>
             </a:fld>
@@ -671,7 +671,7 @@
           <p:cNvPr id="5" name="页脚占位符 4">
             <a:extLst>
               <a:ext uri="{FF2B5EF4-FFF2-40B4-BE49-F238E27FC236}">
-                <a16:creationId xmlns:a16="http://schemas.microsoft.com/office/drawing/2014/main" id="{1EA1ED64-B657-59B0-8900-586B4A773F17}"/>
+                <a16:creationId xmlns:a16="http://schemas.microsoft.com/office/drawing/2014/main" id="{E6115C9E-314C-194C-B43C-814E66B3EF12}"/>
               </a:ext>
             </a:extLst>
           </p:cNvPr>
@@ -696,7 +696,7 @@
           <p:cNvPr id="6" name="灯片编号占位符 5">
             <a:extLst>
               <a:ext uri="{FF2B5EF4-FFF2-40B4-BE49-F238E27FC236}">
-                <a16:creationId xmlns:a16="http://schemas.microsoft.com/office/drawing/2014/main" id="{668A2235-FBB2-AEA1-7606-CB43D7039967}"/>
+                <a16:creationId xmlns:a16="http://schemas.microsoft.com/office/drawing/2014/main" id="{88F51148-0298-3005-ECB1-6EA10747DD7A}"/>
               </a:ext>
             </a:extLst>
           </p:cNvPr>
@@ -712,7 +712,7 @@
           <a:bodyPr/>
           <a:lstStyle/>
           <a:p>
-            <a:fld id="{BD5A8B78-1B2D-49B6-BD5A-A7C2A476D6FC}" type="slidenum">
+            <a:fld id="{49726BAD-B2D8-4CF7-9013-CB581FCB5DD4}" type="slidenum">
               <a:rPr lang="zh-CN" altLang="en-US" smtClean="0"/>
               <a:t>‹#›</a:t>
             </a:fld>
@@ -723,7 +723,7 @@
     </p:spTree>
     <p:extLst>
       <p:ext uri="{BB962C8B-B14F-4D97-AF65-F5344CB8AC3E}">
-        <p14:creationId xmlns:p14="http://schemas.microsoft.com/office/powerpoint/2010/main" val="637855092"/>
+        <p14:creationId xmlns:p14="http://schemas.microsoft.com/office/powerpoint/2010/main" val="1682349865"/>
       </p:ext>
     </p:extLst>
   </p:cSld>
@@ -755,7 +755,7 @@
           <p:cNvPr id="2" name="标题 1">
             <a:extLst>
               <a:ext uri="{FF2B5EF4-FFF2-40B4-BE49-F238E27FC236}">
-                <a16:creationId xmlns:a16="http://schemas.microsoft.com/office/drawing/2014/main" id="{433EB703-56B3-5C07-D3B2-F884998EBB61}"/>
+                <a16:creationId xmlns:a16="http://schemas.microsoft.com/office/drawing/2014/main" id="{A203B988-24B8-16EF-0437-D4AE90DDE327}"/>
               </a:ext>
             </a:extLst>
           </p:cNvPr>
@@ -783,7 +783,7 @@
           <p:cNvPr id="3" name="内容占位符 2">
             <a:extLst>
               <a:ext uri="{FF2B5EF4-FFF2-40B4-BE49-F238E27FC236}">
-                <a16:creationId xmlns:a16="http://schemas.microsoft.com/office/drawing/2014/main" id="{D61008E3-959E-8D1D-C94E-17923F418254}"/>
+                <a16:creationId xmlns:a16="http://schemas.microsoft.com/office/drawing/2014/main" id="{55C5984E-68B7-3D97-98A3-2CF80B818D5E}"/>
               </a:ext>
             </a:extLst>
           </p:cNvPr>
@@ -840,7 +840,7 @@
           <p:cNvPr id="4" name="日期占位符 3">
             <a:extLst>
               <a:ext uri="{FF2B5EF4-FFF2-40B4-BE49-F238E27FC236}">
-                <a16:creationId xmlns:a16="http://schemas.microsoft.com/office/drawing/2014/main" id="{A03A0072-40F0-F8A9-4096-C7F00928997D}"/>
+                <a16:creationId xmlns:a16="http://schemas.microsoft.com/office/drawing/2014/main" id="{88A9FCE1-CF72-10D8-C812-668BA8AE9DF3}"/>
               </a:ext>
             </a:extLst>
           </p:cNvPr>
@@ -856,7 +856,7 @@
           <a:bodyPr/>
           <a:lstStyle/>
           <a:p>
-            <a:fld id="{040CD928-B746-4892-8279-24CB24CDE1B6}" type="datetimeFigureOut">
+            <a:fld id="{CDF302BF-F07C-43D3-99E3-7638257EFFAC}" type="datetimeFigureOut">
               <a:rPr lang="zh-CN" altLang="en-US" smtClean="0"/>
               <a:t>2024/3/10</a:t>
             </a:fld>
@@ -869,7 +869,7 @@
           <p:cNvPr id="5" name="页脚占位符 4">
             <a:extLst>
               <a:ext uri="{FF2B5EF4-FFF2-40B4-BE49-F238E27FC236}">
-                <a16:creationId xmlns:a16="http://schemas.microsoft.com/office/drawing/2014/main" id="{D1C8CBB1-1348-B55A-AD45-7354395CF362}"/>
+                <a16:creationId xmlns:a16="http://schemas.microsoft.com/office/drawing/2014/main" id="{D0DCBD6B-CCAC-85C2-35B3-448AF4E0398C}"/>
               </a:ext>
             </a:extLst>
           </p:cNvPr>
@@ -894,7 +894,7 @@
           <p:cNvPr id="6" name="灯片编号占位符 5">
             <a:extLst>
               <a:ext uri="{FF2B5EF4-FFF2-40B4-BE49-F238E27FC236}">
-                <a16:creationId xmlns:a16="http://schemas.microsoft.com/office/drawing/2014/main" id="{A00E3EFC-8E99-B072-25EC-A7EB87B2EF71}"/>
+                <a16:creationId xmlns:a16="http://schemas.microsoft.com/office/drawing/2014/main" id="{C84E9C3C-1C08-6F42-712B-110E989B9B9A}"/>
               </a:ext>
             </a:extLst>
           </p:cNvPr>
@@ -910,7 +910,7 @@
           <a:bodyPr/>
           <a:lstStyle/>
           <a:p>
-            <a:fld id="{BD5A8B78-1B2D-49B6-BD5A-A7C2A476D6FC}" type="slidenum">
+            <a:fld id="{49726BAD-B2D8-4CF7-9013-CB581FCB5DD4}" type="slidenum">
               <a:rPr lang="zh-CN" altLang="en-US" smtClean="0"/>
               <a:t>‹#›</a:t>
             </a:fld>
@@ -921,7 +921,7 @@
     </p:spTree>
     <p:extLst>
       <p:ext uri="{BB962C8B-B14F-4D97-AF65-F5344CB8AC3E}">
-        <p14:creationId xmlns:p14="http://schemas.microsoft.com/office/powerpoint/2010/main" val="1860722880"/>
+        <p14:creationId xmlns:p14="http://schemas.microsoft.com/office/powerpoint/2010/main" val="3877043877"/>
       </p:ext>
     </p:extLst>
   </p:cSld>
@@ -953,7 +953,7 @@
           <p:cNvPr id="2" name="标题 1">
             <a:extLst>
               <a:ext uri="{FF2B5EF4-FFF2-40B4-BE49-F238E27FC236}">
-                <a16:creationId xmlns:a16="http://schemas.microsoft.com/office/drawing/2014/main" id="{EF8D43DE-B64A-EF01-0793-4CD85C52E1A9}"/>
+                <a16:creationId xmlns:a16="http://schemas.microsoft.com/office/drawing/2014/main" id="{18E006BB-AFAD-CAB9-FCFB-221AD44F5051}"/>
               </a:ext>
             </a:extLst>
           </p:cNvPr>
@@ -990,7 +990,7 @@
           <p:cNvPr id="3" name="文本占位符 2">
             <a:extLst>
               <a:ext uri="{FF2B5EF4-FFF2-40B4-BE49-F238E27FC236}">
-                <a16:creationId xmlns:a16="http://schemas.microsoft.com/office/drawing/2014/main" id="{4E4ADDE1-5D6A-4988-2DB3-56A557E4EDA0}"/>
+                <a16:creationId xmlns:a16="http://schemas.microsoft.com/office/drawing/2014/main" id="{B311FA77-1F21-6110-971A-B155F7212A97}"/>
               </a:ext>
             </a:extLst>
           </p:cNvPr>
@@ -1115,7 +1115,7 @@
           <p:cNvPr id="4" name="日期占位符 3">
             <a:extLst>
               <a:ext uri="{FF2B5EF4-FFF2-40B4-BE49-F238E27FC236}">
-                <a16:creationId xmlns:a16="http://schemas.microsoft.com/office/drawing/2014/main" id="{E1C610A2-B8BA-1456-2268-ED05F2630905}"/>
+                <a16:creationId xmlns:a16="http://schemas.microsoft.com/office/drawing/2014/main" id="{A6B1085E-0C4E-B323-4E1E-774ECBFF10EC}"/>
               </a:ext>
             </a:extLst>
           </p:cNvPr>
@@ -1131,7 +1131,7 @@
           <a:bodyPr/>
           <a:lstStyle/>
           <a:p>
-            <a:fld id="{040CD928-B746-4892-8279-24CB24CDE1B6}" type="datetimeFigureOut">
+            <a:fld id="{CDF302BF-F07C-43D3-99E3-7638257EFFAC}" type="datetimeFigureOut">
               <a:rPr lang="zh-CN" altLang="en-US" smtClean="0"/>
               <a:t>2024/3/10</a:t>
             </a:fld>
@@ -1144,7 +1144,7 @@
           <p:cNvPr id="5" name="页脚占位符 4">
             <a:extLst>
               <a:ext uri="{FF2B5EF4-FFF2-40B4-BE49-F238E27FC236}">
-                <a16:creationId xmlns:a16="http://schemas.microsoft.com/office/drawing/2014/main" id="{4C02D46F-05F7-1A75-A6D8-EA9694385D43}"/>
+                <a16:creationId xmlns:a16="http://schemas.microsoft.com/office/drawing/2014/main" id="{665C355E-3380-7188-7C7A-8167FDA53B33}"/>
               </a:ext>
             </a:extLst>
           </p:cNvPr>
@@ -1169,7 +1169,7 @@
           <p:cNvPr id="6" name="灯片编号占位符 5">
             <a:extLst>
               <a:ext uri="{FF2B5EF4-FFF2-40B4-BE49-F238E27FC236}">
-                <a16:creationId xmlns:a16="http://schemas.microsoft.com/office/drawing/2014/main" id="{06C0A5D6-21F8-4794-150C-619E70288BDB}"/>
+                <a16:creationId xmlns:a16="http://schemas.microsoft.com/office/drawing/2014/main" id="{6AFC4079-EF07-B0AF-BF41-BF6F71D77DA2}"/>
               </a:ext>
             </a:extLst>
           </p:cNvPr>
@@ -1185,7 +1185,7 @@
           <a:bodyPr/>
           <a:lstStyle/>
           <a:p>
-            <a:fld id="{BD5A8B78-1B2D-49B6-BD5A-A7C2A476D6FC}" type="slidenum">
+            <a:fld id="{49726BAD-B2D8-4CF7-9013-CB581FCB5DD4}" type="slidenum">
               <a:rPr lang="zh-CN" altLang="en-US" smtClean="0"/>
               <a:t>‹#›</a:t>
             </a:fld>
@@ -1196,7 +1196,7 @@
     </p:spTree>
     <p:extLst>
       <p:ext uri="{BB962C8B-B14F-4D97-AF65-F5344CB8AC3E}">
-        <p14:creationId xmlns:p14="http://schemas.microsoft.com/office/powerpoint/2010/main" val="265513690"/>
+        <p14:creationId xmlns:p14="http://schemas.microsoft.com/office/powerpoint/2010/main" val="4232744441"/>
       </p:ext>
     </p:extLst>
   </p:cSld>
@@ -1228,7 +1228,7 @@
           <p:cNvPr id="2" name="标题 1">
             <a:extLst>
               <a:ext uri="{FF2B5EF4-FFF2-40B4-BE49-F238E27FC236}">
-                <a16:creationId xmlns:a16="http://schemas.microsoft.com/office/drawing/2014/main" id="{BC0F7C67-83A5-BBB4-DEB2-052C602ED976}"/>
+                <a16:creationId xmlns:a16="http://schemas.microsoft.com/office/drawing/2014/main" id="{9D8C74B8-42D9-7C85-AC9E-D6E4F478A9B6}"/>
               </a:ext>
             </a:extLst>
           </p:cNvPr>
@@ -1256,7 +1256,7 @@
           <p:cNvPr id="3" name="内容占位符 2">
             <a:extLst>
               <a:ext uri="{FF2B5EF4-FFF2-40B4-BE49-F238E27FC236}">
-                <a16:creationId xmlns:a16="http://schemas.microsoft.com/office/drawing/2014/main" id="{F9AEB193-6E02-4667-1012-92157A80EF25}"/>
+                <a16:creationId xmlns:a16="http://schemas.microsoft.com/office/drawing/2014/main" id="{9EDA92B6-F908-6E45-8A8A-73206B0B2449}"/>
               </a:ext>
             </a:extLst>
           </p:cNvPr>
@@ -1318,7 +1318,7 @@
           <p:cNvPr id="4" name="内容占位符 3">
             <a:extLst>
               <a:ext uri="{FF2B5EF4-FFF2-40B4-BE49-F238E27FC236}">
-                <a16:creationId xmlns:a16="http://schemas.microsoft.com/office/drawing/2014/main" id="{7939D2CB-2C28-A157-E7B1-24C0D34D3278}"/>
+                <a16:creationId xmlns:a16="http://schemas.microsoft.com/office/drawing/2014/main" id="{17291DE8-487E-BC97-806B-478508EA22C5}"/>
               </a:ext>
             </a:extLst>
           </p:cNvPr>
@@ -1380,7 +1380,7 @@
           <p:cNvPr id="5" name="日期占位符 4">
             <a:extLst>
               <a:ext uri="{FF2B5EF4-FFF2-40B4-BE49-F238E27FC236}">
-                <a16:creationId xmlns:a16="http://schemas.microsoft.com/office/drawing/2014/main" id="{E0B9B1FB-0032-BA0B-3FDA-7973BB1933D6}"/>
+                <a16:creationId xmlns:a16="http://schemas.microsoft.com/office/drawing/2014/main" id="{99CBB50E-B1CD-A8D7-4848-29A203F84DD8}"/>
               </a:ext>
             </a:extLst>
           </p:cNvPr>
@@ -1396,7 +1396,7 @@
           <a:bodyPr/>
           <a:lstStyle/>
           <a:p>
-            <a:fld id="{040CD928-B746-4892-8279-24CB24CDE1B6}" type="datetimeFigureOut">
+            <a:fld id="{CDF302BF-F07C-43D3-99E3-7638257EFFAC}" type="datetimeFigureOut">
               <a:rPr lang="zh-CN" altLang="en-US" smtClean="0"/>
               <a:t>2024/3/10</a:t>
             </a:fld>
@@ -1409,7 +1409,7 @@
           <p:cNvPr id="6" name="页脚占位符 5">
             <a:extLst>
               <a:ext uri="{FF2B5EF4-FFF2-40B4-BE49-F238E27FC236}">
-                <a16:creationId xmlns:a16="http://schemas.microsoft.com/office/drawing/2014/main" id="{339C7467-A4E4-4777-673A-52D7C8795507}"/>
+                <a16:creationId xmlns:a16="http://schemas.microsoft.com/office/drawing/2014/main" id="{DAC1A893-15EF-91DC-BBD8-1E6FA6F83A78}"/>
               </a:ext>
             </a:extLst>
           </p:cNvPr>
@@ -1434,7 +1434,7 @@
           <p:cNvPr id="7" name="灯片编号占位符 6">
             <a:extLst>
               <a:ext uri="{FF2B5EF4-FFF2-40B4-BE49-F238E27FC236}">
-                <a16:creationId xmlns:a16="http://schemas.microsoft.com/office/drawing/2014/main" id="{86A80782-9C1E-E04F-ED8E-A65657E96CC5}"/>
+                <a16:creationId xmlns:a16="http://schemas.microsoft.com/office/drawing/2014/main" id="{33DB1D32-0F11-48DB-D58E-7D2BD04CC085}"/>
               </a:ext>
             </a:extLst>
           </p:cNvPr>
@@ -1450,7 +1450,7 @@
           <a:bodyPr/>
           <a:lstStyle/>
           <a:p>
-            <a:fld id="{BD5A8B78-1B2D-49B6-BD5A-A7C2A476D6FC}" type="slidenum">
+            <a:fld id="{49726BAD-B2D8-4CF7-9013-CB581FCB5DD4}" type="slidenum">
               <a:rPr lang="zh-CN" altLang="en-US" smtClean="0"/>
               <a:t>‹#›</a:t>
             </a:fld>
@@ -1461,7 +1461,7 @@
     </p:spTree>
     <p:extLst>
       <p:ext uri="{BB962C8B-B14F-4D97-AF65-F5344CB8AC3E}">
-        <p14:creationId xmlns:p14="http://schemas.microsoft.com/office/powerpoint/2010/main" val="2112323244"/>
+        <p14:creationId xmlns:p14="http://schemas.microsoft.com/office/powerpoint/2010/main" val="115907277"/>
       </p:ext>
     </p:extLst>
   </p:cSld>
@@ -1493,7 +1493,7 @@
           <p:cNvPr id="2" name="标题 1">
             <a:extLst>
               <a:ext uri="{FF2B5EF4-FFF2-40B4-BE49-F238E27FC236}">
-                <a16:creationId xmlns:a16="http://schemas.microsoft.com/office/drawing/2014/main" id="{D314A866-8173-5AE0-2960-E165F1F91788}"/>
+                <a16:creationId xmlns:a16="http://schemas.microsoft.com/office/drawing/2014/main" id="{1D2C3C92-1D67-F902-27BB-F4B8BEE86BBA}"/>
               </a:ext>
             </a:extLst>
           </p:cNvPr>
@@ -1526,7 +1526,7 @@
           <p:cNvPr id="3" name="文本占位符 2">
             <a:extLst>
               <a:ext uri="{FF2B5EF4-FFF2-40B4-BE49-F238E27FC236}">
-                <a16:creationId xmlns:a16="http://schemas.microsoft.com/office/drawing/2014/main" id="{F21DFCDD-3C6B-4BC1-C48A-3F25830467E6}"/>
+                <a16:creationId xmlns:a16="http://schemas.microsoft.com/office/drawing/2014/main" id="{857D8F49-7A3B-93DF-93DA-3661F348E910}"/>
               </a:ext>
             </a:extLst>
           </p:cNvPr>
@@ -1597,7 +1597,7 @@
           <p:cNvPr id="4" name="内容占位符 3">
             <a:extLst>
               <a:ext uri="{FF2B5EF4-FFF2-40B4-BE49-F238E27FC236}">
-                <a16:creationId xmlns:a16="http://schemas.microsoft.com/office/drawing/2014/main" id="{57A8113C-4FB3-AA76-0AE1-C900B510CDEA}"/>
+                <a16:creationId xmlns:a16="http://schemas.microsoft.com/office/drawing/2014/main" id="{18A849CD-A585-8A74-A886-A9A36E4201A3}"/>
               </a:ext>
             </a:extLst>
           </p:cNvPr>
@@ -1659,7 +1659,7 @@
           <p:cNvPr id="5" name="文本占位符 4">
             <a:extLst>
               <a:ext uri="{FF2B5EF4-FFF2-40B4-BE49-F238E27FC236}">
-                <a16:creationId xmlns:a16="http://schemas.microsoft.com/office/drawing/2014/main" id="{901CA086-A547-EB8D-51D6-644B13CAE6EB}"/>
+                <a16:creationId xmlns:a16="http://schemas.microsoft.com/office/drawing/2014/main" id="{9BF88F75-5979-06A9-9F16-F2118617656F}"/>
               </a:ext>
             </a:extLst>
           </p:cNvPr>
@@ -1730,7 +1730,7 @@
           <p:cNvPr id="6" name="内容占位符 5">
             <a:extLst>
               <a:ext uri="{FF2B5EF4-FFF2-40B4-BE49-F238E27FC236}">
-                <a16:creationId xmlns:a16="http://schemas.microsoft.com/office/drawing/2014/main" id="{3E01FBA7-3F93-F2AC-E4FC-2E62B64D35BB}"/>
+                <a16:creationId xmlns:a16="http://schemas.microsoft.com/office/drawing/2014/main" id="{573F1EF7-E7A7-B3F9-01FA-1A9C7DCF1F1F}"/>
               </a:ext>
             </a:extLst>
           </p:cNvPr>
@@ -1792,7 +1792,7 @@
           <p:cNvPr id="7" name="日期占位符 6">
             <a:extLst>
               <a:ext uri="{FF2B5EF4-FFF2-40B4-BE49-F238E27FC236}">
-                <a16:creationId xmlns:a16="http://schemas.microsoft.com/office/drawing/2014/main" id="{46507E45-5532-0275-B69E-14F224942F05}"/>
+                <a16:creationId xmlns:a16="http://schemas.microsoft.com/office/drawing/2014/main" id="{3AE1939A-5C9D-16D9-F034-DC62E080761F}"/>
               </a:ext>
             </a:extLst>
           </p:cNvPr>
@@ -1808,7 +1808,7 @@
           <a:bodyPr/>
           <a:lstStyle/>
           <a:p>
-            <a:fld id="{040CD928-B746-4892-8279-24CB24CDE1B6}" type="datetimeFigureOut">
+            <a:fld id="{CDF302BF-F07C-43D3-99E3-7638257EFFAC}" type="datetimeFigureOut">
               <a:rPr lang="zh-CN" altLang="en-US" smtClean="0"/>
               <a:t>2024/3/10</a:t>
             </a:fld>
@@ -1821,7 +1821,7 @@
           <p:cNvPr id="8" name="页脚占位符 7">
             <a:extLst>
               <a:ext uri="{FF2B5EF4-FFF2-40B4-BE49-F238E27FC236}">
-                <a16:creationId xmlns:a16="http://schemas.microsoft.com/office/drawing/2014/main" id="{A3FBBFE9-5A79-1FF3-E0D2-597E6872CFD0}"/>
+                <a16:creationId xmlns:a16="http://schemas.microsoft.com/office/drawing/2014/main" id="{EA487ACA-DBF4-66A6-8912-196FB57F7E7E}"/>
               </a:ext>
             </a:extLst>
           </p:cNvPr>
@@ -1846,7 +1846,7 @@
           <p:cNvPr id="9" name="灯片编号占位符 8">
             <a:extLst>
               <a:ext uri="{FF2B5EF4-FFF2-40B4-BE49-F238E27FC236}">
-                <a16:creationId xmlns:a16="http://schemas.microsoft.com/office/drawing/2014/main" id="{5D0BF6F0-AC85-505D-9B2B-5246547D614E}"/>
+                <a16:creationId xmlns:a16="http://schemas.microsoft.com/office/drawing/2014/main" id="{B68F3707-6B6A-B235-42EA-C437993370CB}"/>
               </a:ext>
             </a:extLst>
           </p:cNvPr>
@@ -1862,7 +1862,7 @@
           <a:bodyPr/>
           <a:lstStyle/>
           <a:p>
-            <a:fld id="{BD5A8B78-1B2D-49B6-BD5A-A7C2A476D6FC}" type="slidenum">
+            <a:fld id="{49726BAD-B2D8-4CF7-9013-CB581FCB5DD4}" type="slidenum">
               <a:rPr lang="zh-CN" altLang="en-US" smtClean="0"/>
               <a:t>‹#›</a:t>
             </a:fld>
@@ -1873,7 +1873,7 @@
     </p:spTree>
     <p:extLst>
       <p:ext uri="{BB962C8B-B14F-4D97-AF65-F5344CB8AC3E}">
-        <p14:creationId xmlns:p14="http://schemas.microsoft.com/office/powerpoint/2010/main" val="3976635687"/>
+        <p14:creationId xmlns:p14="http://schemas.microsoft.com/office/powerpoint/2010/main" val="2319674058"/>
       </p:ext>
     </p:extLst>
   </p:cSld>
@@ -1905,7 +1905,7 @@
           <p:cNvPr id="2" name="标题 1">
             <a:extLst>
               <a:ext uri="{FF2B5EF4-FFF2-40B4-BE49-F238E27FC236}">
-                <a16:creationId xmlns:a16="http://schemas.microsoft.com/office/drawing/2014/main" id="{A67A59ED-C07B-BA7C-831B-6DAD5CC9731A}"/>
+                <a16:creationId xmlns:a16="http://schemas.microsoft.com/office/drawing/2014/main" id="{1B753656-99C6-EF4A-8DA6-197F4FD95ED2}"/>
               </a:ext>
             </a:extLst>
           </p:cNvPr>
@@ -1933,7 +1933,7 @@
           <p:cNvPr id="3" name="日期占位符 2">
             <a:extLst>
               <a:ext uri="{FF2B5EF4-FFF2-40B4-BE49-F238E27FC236}">
-                <a16:creationId xmlns:a16="http://schemas.microsoft.com/office/drawing/2014/main" id="{23645410-0402-9A6A-231A-6DAC33AFF8CB}"/>
+                <a16:creationId xmlns:a16="http://schemas.microsoft.com/office/drawing/2014/main" id="{D1FD8860-BBC2-4BE9-B642-1500288DE915}"/>
               </a:ext>
             </a:extLst>
           </p:cNvPr>
@@ -1949,7 +1949,7 @@
           <a:bodyPr/>
           <a:lstStyle/>
           <a:p>
-            <a:fld id="{040CD928-B746-4892-8279-24CB24CDE1B6}" type="datetimeFigureOut">
+            <a:fld id="{CDF302BF-F07C-43D3-99E3-7638257EFFAC}" type="datetimeFigureOut">
               <a:rPr lang="zh-CN" altLang="en-US" smtClean="0"/>
               <a:t>2024/3/10</a:t>
             </a:fld>
@@ -1962,7 +1962,7 @@
           <p:cNvPr id="4" name="页脚占位符 3">
             <a:extLst>
               <a:ext uri="{FF2B5EF4-FFF2-40B4-BE49-F238E27FC236}">
-                <a16:creationId xmlns:a16="http://schemas.microsoft.com/office/drawing/2014/main" id="{7CFDC5E4-BD63-F6E9-4766-8DC099F9F7A4}"/>
+                <a16:creationId xmlns:a16="http://schemas.microsoft.com/office/drawing/2014/main" id="{59771815-B8F7-9570-C7D8-6CBCE8B766B6}"/>
               </a:ext>
             </a:extLst>
           </p:cNvPr>
@@ -1987,7 +1987,7 @@
           <p:cNvPr id="5" name="灯片编号占位符 4">
             <a:extLst>
               <a:ext uri="{FF2B5EF4-FFF2-40B4-BE49-F238E27FC236}">
-                <a16:creationId xmlns:a16="http://schemas.microsoft.com/office/drawing/2014/main" id="{0361A72A-15E6-C09D-E15E-4EF1D4F8CAC2}"/>
+                <a16:creationId xmlns:a16="http://schemas.microsoft.com/office/drawing/2014/main" id="{EEA689C5-77B1-9CCF-59AA-FB9D0DC2F383}"/>
               </a:ext>
             </a:extLst>
           </p:cNvPr>
@@ -2003,7 +2003,7 @@
           <a:bodyPr/>
           <a:lstStyle/>
           <a:p>
-            <a:fld id="{BD5A8B78-1B2D-49B6-BD5A-A7C2A476D6FC}" type="slidenum">
+            <a:fld id="{49726BAD-B2D8-4CF7-9013-CB581FCB5DD4}" type="slidenum">
               <a:rPr lang="zh-CN" altLang="en-US" smtClean="0"/>
               <a:t>‹#›</a:t>
             </a:fld>
@@ -2014,7 +2014,7 @@
     </p:spTree>
     <p:extLst>
       <p:ext uri="{BB962C8B-B14F-4D97-AF65-F5344CB8AC3E}">
-        <p14:creationId xmlns:p14="http://schemas.microsoft.com/office/powerpoint/2010/main" val="68503577"/>
+        <p14:creationId xmlns:p14="http://schemas.microsoft.com/office/powerpoint/2010/main" val="45678698"/>
       </p:ext>
     </p:extLst>
   </p:cSld>
@@ -2046,7 +2046,7 @@
           <p:cNvPr id="2" name="日期占位符 1">
             <a:extLst>
               <a:ext uri="{FF2B5EF4-FFF2-40B4-BE49-F238E27FC236}">
-                <a16:creationId xmlns:a16="http://schemas.microsoft.com/office/drawing/2014/main" id="{854F77B9-B91A-5C40-C93F-9C3B52F809F9}"/>
+                <a16:creationId xmlns:a16="http://schemas.microsoft.com/office/drawing/2014/main" id="{6069C970-B47C-5F48-2CEC-9434E361014F}"/>
               </a:ext>
             </a:extLst>
           </p:cNvPr>
@@ -2062,7 +2062,7 @@
           <a:bodyPr/>
           <a:lstStyle/>
           <a:p>
-            <a:fld id="{040CD928-B746-4892-8279-24CB24CDE1B6}" type="datetimeFigureOut">
+            <a:fld id="{CDF302BF-F07C-43D3-99E3-7638257EFFAC}" type="datetimeFigureOut">
               <a:rPr lang="zh-CN" altLang="en-US" smtClean="0"/>
               <a:t>2024/3/10</a:t>
             </a:fld>
@@ -2075,7 +2075,7 @@
           <p:cNvPr id="3" name="页脚占位符 2">
             <a:extLst>
               <a:ext uri="{FF2B5EF4-FFF2-40B4-BE49-F238E27FC236}">
-                <a16:creationId xmlns:a16="http://schemas.microsoft.com/office/drawing/2014/main" id="{FD17B86F-0E72-CA29-5BDB-7EA3078E84C1}"/>
+                <a16:creationId xmlns:a16="http://schemas.microsoft.com/office/drawing/2014/main" id="{419899DA-AE4E-4123-3268-3314706B2A25}"/>
               </a:ext>
             </a:extLst>
           </p:cNvPr>
@@ -2100,7 +2100,7 @@
           <p:cNvPr id="4" name="灯片编号占位符 3">
             <a:extLst>
               <a:ext uri="{FF2B5EF4-FFF2-40B4-BE49-F238E27FC236}">
-                <a16:creationId xmlns:a16="http://schemas.microsoft.com/office/drawing/2014/main" id="{C5505824-1885-5D00-7D38-07470B86F3A4}"/>
+                <a16:creationId xmlns:a16="http://schemas.microsoft.com/office/drawing/2014/main" id="{37525387-C49B-7BD7-58BA-B3BB2A3DEB55}"/>
               </a:ext>
             </a:extLst>
           </p:cNvPr>
@@ -2116,7 +2116,7 @@
           <a:bodyPr/>
           <a:lstStyle/>
           <a:p>
-            <a:fld id="{BD5A8B78-1B2D-49B6-BD5A-A7C2A476D6FC}" type="slidenum">
+            <a:fld id="{49726BAD-B2D8-4CF7-9013-CB581FCB5DD4}" type="slidenum">
               <a:rPr lang="zh-CN" altLang="en-US" smtClean="0"/>
               <a:t>‹#›</a:t>
             </a:fld>
@@ -2127,7 +2127,7 @@
     </p:spTree>
     <p:extLst>
       <p:ext uri="{BB962C8B-B14F-4D97-AF65-F5344CB8AC3E}">
-        <p14:creationId xmlns:p14="http://schemas.microsoft.com/office/powerpoint/2010/main" val="796135013"/>
+        <p14:creationId xmlns:p14="http://schemas.microsoft.com/office/powerpoint/2010/main" val="627782883"/>
       </p:ext>
     </p:extLst>
   </p:cSld>
@@ -2159,7 +2159,7 @@
           <p:cNvPr id="2" name="标题 1">
             <a:extLst>
               <a:ext uri="{FF2B5EF4-FFF2-40B4-BE49-F238E27FC236}">
-                <a16:creationId xmlns:a16="http://schemas.microsoft.com/office/drawing/2014/main" id="{FD223744-ABCD-EDF5-B1B0-55A6C736A0F2}"/>
+                <a16:creationId xmlns:a16="http://schemas.microsoft.com/office/drawing/2014/main" id="{F88E3272-9B3F-31D9-A0E7-03068283D44C}"/>
               </a:ext>
             </a:extLst>
           </p:cNvPr>
@@ -2196,7 +2196,7 @@
           <p:cNvPr id="3" name="内容占位符 2">
             <a:extLst>
               <a:ext uri="{FF2B5EF4-FFF2-40B4-BE49-F238E27FC236}">
-                <a16:creationId xmlns:a16="http://schemas.microsoft.com/office/drawing/2014/main" id="{0052120D-96CC-4D75-F886-AB649A16A12B}"/>
+                <a16:creationId xmlns:a16="http://schemas.microsoft.com/office/drawing/2014/main" id="{E5A5A604-6B57-F882-C670-826089697CC3}"/>
               </a:ext>
             </a:extLst>
           </p:cNvPr>
@@ -2286,7 +2286,7 @@
           <p:cNvPr id="4" name="文本占位符 3">
             <a:extLst>
               <a:ext uri="{FF2B5EF4-FFF2-40B4-BE49-F238E27FC236}">
-                <a16:creationId xmlns:a16="http://schemas.microsoft.com/office/drawing/2014/main" id="{8DA9D8EE-B37A-D10F-FE78-71263FCE2114}"/>
+                <a16:creationId xmlns:a16="http://schemas.microsoft.com/office/drawing/2014/main" id="{F5F8D58A-95FA-6BEE-80F9-EF3783392F81}"/>
               </a:ext>
             </a:extLst>
           </p:cNvPr>
@@ -2357,7 +2357,7 @@
           <p:cNvPr id="5" name="日期占位符 4">
             <a:extLst>
               <a:ext uri="{FF2B5EF4-FFF2-40B4-BE49-F238E27FC236}">
-                <a16:creationId xmlns:a16="http://schemas.microsoft.com/office/drawing/2014/main" id="{EB5691D3-8A7F-0F96-00A3-3C7516E8BF96}"/>
+                <a16:creationId xmlns:a16="http://schemas.microsoft.com/office/drawing/2014/main" id="{C8CBCA20-EA8D-6804-005D-70E908970387}"/>
               </a:ext>
             </a:extLst>
           </p:cNvPr>
@@ -2373,7 +2373,7 @@
           <a:bodyPr/>
           <a:lstStyle/>
           <a:p>
-            <a:fld id="{040CD928-B746-4892-8279-24CB24CDE1B6}" type="datetimeFigureOut">
+            <a:fld id="{CDF302BF-F07C-43D3-99E3-7638257EFFAC}" type="datetimeFigureOut">
               <a:rPr lang="zh-CN" altLang="en-US" smtClean="0"/>
               <a:t>2024/3/10</a:t>
             </a:fld>
@@ -2386,7 +2386,7 @@
           <p:cNvPr id="6" name="页脚占位符 5">
             <a:extLst>
               <a:ext uri="{FF2B5EF4-FFF2-40B4-BE49-F238E27FC236}">
-                <a16:creationId xmlns:a16="http://schemas.microsoft.com/office/drawing/2014/main" id="{CF922648-1910-0CF9-0762-44A8890CF9AE}"/>
+                <a16:creationId xmlns:a16="http://schemas.microsoft.com/office/drawing/2014/main" id="{7B685D63-96EF-94FA-C54A-37F3C314D78F}"/>
               </a:ext>
             </a:extLst>
           </p:cNvPr>
@@ -2411,7 +2411,7 @@
           <p:cNvPr id="7" name="灯片编号占位符 6">
             <a:extLst>
               <a:ext uri="{FF2B5EF4-FFF2-40B4-BE49-F238E27FC236}">
-                <a16:creationId xmlns:a16="http://schemas.microsoft.com/office/drawing/2014/main" id="{E062512E-C36F-453C-93E0-ACA84BE99BA8}"/>
+                <a16:creationId xmlns:a16="http://schemas.microsoft.com/office/drawing/2014/main" id="{7E65F963-3C23-3976-04E8-D9BED2C2FF38}"/>
               </a:ext>
             </a:extLst>
           </p:cNvPr>
@@ -2427,7 +2427,7 @@
           <a:bodyPr/>
           <a:lstStyle/>
           <a:p>
-            <a:fld id="{BD5A8B78-1B2D-49B6-BD5A-A7C2A476D6FC}" type="slidenum">
+            <a:fld id="{49726BAD-B2D8-4CF7-9013-CB581FCB5DD4}" type="slidenum">
               <a:rPr lang="zh-CN" altLang="en-US" smtClean="0"/>
               <a:t>‹#›</a:t>
             </a:fld>
@@ -2438,7 +2438,7 @@
     </p:spTree>
     <p:extLst>
       <p:ext uri="{BB962C8B-B14F-4D97-AF65-F5344CB8AC3E}">
-        <p14:creationId xmlns:p14="http://schemas.microsoft.com/office/powerpoint/2010/main" val="1058544344"/>
+        <p14:creationId xmlns:p14="http://schemas.microsoft.com/office/powerpoint/2010/main" val="275157479"/>
       </p:ext>
     </p:extLst>
   </p:cSld>
@@ -2470,7 +2470,7 @@
           <p:cNvPr id="2" name="标题 1">
             <a:extLst>
               <a:ext uri="{FF2B5EF4-FFF2-40B4-BE49-F238E27FC236}">
-                <a16:creationId xmlns:a16="http://schemas.microsoft.com/office/drawing/2014/main" id="{FEA8E7EE-3A69-DBE9-F3D6-9052ADF5FD3E}"/>
+                <a16:creationId xmlns:a16="http://schemas.microsoft.com/office/drawing/2014/main" id="{31B3BBDA-6A6F-19B2-E0F6-B6115A17A4C1}"/>
               </a:ext>
             </a:extLst>
           </p:cNvPr>
@@ -2507,7 +2507,7 @@
           <p:cNvPr id="3" name="图片占位符 2">
             <a:extLst>
               <a:ext uri="{FF2B5EF4-FFF2-40B4-BE49-F238E27FC236}">
-                <a16:creationId xmlns:a16="http://schemas.microsoft.com/office/drawing/2014/main" id="{F6EE3B1C-B760-63A4-0906-7A108AD02384}"/>
+                <a16:creationId xmlns:a16="http://schemas.microsoft.com/office/drawing/2014/main" id="{62147C34-2259-DF06-70A3-B8AF64C9084C}"/>
               </a:ext>
             </a:extLst>
           </p:cNvPr>
@@ -2574,7 +2574,7 @@
           <p:cNvPr id="4" name="文本占位符 3">
             <a:extLst>
               <a:ext uri="{FF2B5EF4-FFF2-40B4-BE49-F238E27FC236}">
-                <a16:creationId xmlns:a16="http://schemas.microsoft.com/office/drawing/2014/main" id="{E52585DC-31E0-1E9E-ED45-B44C83B09352}"/>
+                <a16:creationId xmlns:a16="http://schemas.microsoft.com/office/drawing/2014/main" id="{BDBE147C-C48B-8AD1-1BB2-43C1646264EA}"/>
               </a:ext>
             </a:extLst>
           </p:cNvPr>
@@ -2645,7 +2645,7 @@
           <p:cNvPr id="5" name="日期占位符 4">
             <a:extLst>
               <a:ext uri="{FF2B5EF4-FFF2-40B4-BE49-F238E27FC236}">
-                <a16:creationId xmlns:a16="http://schemas.microsoft.com/office/drawing/2014/main" id="{B90873B0-7210-1F3A-03BF-8F11A3E025BC}"/>
+                <a16:creationId xmlns:a16="http://schemas.microsoft.com/office/drawing/2014/main" id="{84FC4D21-3C67-BD1A-BC30-D807A05E0E4A}"/>
               </a:ext>
             </a:extLst>
           </p:cNvPr>
@@ -2661,7 +2661,7 @@
           <a:bodyPr/>
           <a:lstStyle/>
           <a:p>
-            <a:fld id="{040CD928-B746-4892-8279-24CB24CDE1B6}" type="datetimeFigureOut">
+            <a:fld id="{CDF302BF-F07C-43D3-99E3-7638257EFFAC}" type="datetimeFigureOut">
               <a:rPr lang="zh-CN" altLang="en-US" smtClean="0"/>
               <a:t>2024/3/10</a:t>
             </a:fld>
@@ -2674,7 +2674,7 @@
           <p:cNvPr id="6" name="页脚占位符 5">
             <a:extLst>
               <a:ext uri="{FF2B5EF4-FFF2-40B4-BE49-F238E27FC236}">
-                <a16:creationId xmlns:a16="http://schemas.microsoft.com/office/drawing/2014/main" id="{817B7D02-1D88-D1D6-D055-B70D2CD6E147}"/>
+                <a16:creationId xmlns:a16="http://schemas.microsoft.com/office/drawing/2014/main" id="{ADCCA75E-713F-A8CC-31A0-14C8B7216342}"/>
               </a:ext>
             </a:extLst>
           </p:cNvPr>
@@ -2699,7 +2699,7 @@
           <p:cNvPr id="7" name="灯片编号占位符 6">
             <a:extLst>
               <a:ext uri="{FF2B5EF4-FFF2-40B4-BE49-F238E27FC236}">
-                <a16:creationId xmlns:a16="http://schemas.microsoft.com/office/drawing/2014/main" id="{3512CD1B-0181-E223-F4F4-6D051805A743}"/>
+                <a16:creationId xmlns:a16="http://schemas.microsoft.com/office/drawing/2014/main" id="{A6ECEFA8-AFE8-4849-60AA-E96A4BD1E495}"/>
               </a:ext>
             </a:extLst>
           </p:cNvPr>
@@ -2715,7 +2715,7 @@
           <a:bodyPr/>
           <a:lstStyle/>
           <a:p>
-            <a:fld id="{BD5A8B78-1B2D-49B6-BD5A-A7C2A476D6FC}" type="slidenum">
+            <a:fld id="{49726BAD-B2D8-4CF7-9013-CB581FCB5DD4}" type="slidenum">
               <a:rPr lang="zh-CN" altLang="en-US" smtClean="0"/>
               <a:t>‹#›</a:t>
             </a:fld>
@@ -2726,7 +2726,7 @@
     </p:spTree>
     <p:extLst>
       <p:ext uri="{BB962C8B-B14F-4D97-AF65-F5344CB8AC3E}">
-        <p14:creationId xmlns:p14="http://schemas.microsoft.com/office/powerpoint/2010/main" val="360886514"/>
+        <p14:creationId xmlns:p14="http://schemas.microsoft.com/office/powerpoint/2010/main" val="1339944730"/>
       </p:ext>
     </p:extLst>
   </p:cSld>
@@ -2763,7 +2763,7 @@
           <p:cNvPr id="2" name="标题占位符 1">
             <a:extLst>
               <a:ext uri="{FF2B5EF4-FFF2-40B4-BE49-F238E27FC236}">
-                <a16:creationId xmlns:a16="http://schemas.microsoft.com/office/drawing/2014/main" id="{CB01096B-DD4C-45BE-5CCF-7CF14F34CE2F}"/>
+                <a16:creationId xmlns:a16="http://schemas.microsoft.com/office/drawing/2014/main" id="{482072BA-F27B-DA2D-7EEA-17836538EBA9}"/>
               </a:ext>
             </a:extLst>
           </p:cNvPr>
@@ -2801,7 +2801,7 @@
           <p:cNvPr id="3" name="文本占位符 2">
             <a:extLst>
               <a:ext uri="{FF2B5EF4-FFF2-40B4-BE49-F238E27FC236}">
-                <a16:creationId xmlns:a16="http://schemas.microsoft.com/office/drawing/2014/main" id="{0386D451-4F6F-D99B-708E-10A12EF1DDF7}"/>
+                <a16:creationId xmlns:a16="http://schemas.microsoft.com/office/drawing/2014/main" id="{D5A7EB57-DD62-0228-98F5-1D388DA6AFDD}"/>
               </a:ext>
             </a:extLst>
           </p:cNvPr>
@@ -2868,7 +2868,7 @@
           <p:cNvPr id="4" name="日期占位符 3">
             <a:extLst>
               <a:ext uri="{FF2B5EF4-FFF2-40B4-BE49-F238E27FC236}">
-                <a16:creationId xmlns:a16="http://schemas.microsoft.com/office/drawing/2014/main" id="{5BDA5A34-993D-242D-68F2-24673D4BEB80}"/>
+                <a16:creationId xmlns:a16="http://schemas.microsoft.com/office/drawing/2014/main" id="{8145D768-ADE7-8C0F-6B78-035D6F3277D6}"/>
               </a:ext>
             </a:extLst>
           </p:cNvPr>
@@ -2902,7 +2902,7 @@
             </a:lvl1pPr>
           </a:lstStyle>
           <a:p>
-            <a:fld id="{040CD928-B746-4892-8279-24CB24CDE1B6}" type="datetimeFigureOut">
+            <a:fld id="{CDF302BF-F07C-43D3-99E3-7638257EFFAC}" type="datetimeFigureOut">
               <a:rPr lang="zh-CN" altLang="en-US" smtClean="0"/>
               <a:t>2024/3/10</a:t>
             </a:fld>
@@ -2915,7 +2915,7 @@
           <p:cNvPr id="5" name="页脚占位符 4">
             <a:extLst>
               <a:ext uri="{FF2B5EF4-FFF2-40B4-BE49-F238E27FC236}">
-                <a16:creationId xmlns:a16="http://schemas.microsoft.com/office/drawing/2014/main" id="{DE4E874B-DAC2-30FF-5A35-5B9E2761F42F}"/>
+                <a16:creationId xmlns:a16="http://schemas.microsoft.com/office/drawing/2014/main" id="{BF304ADE-2602-386E-180B-D33A92AD6584}"/>
               </a:ext>
             </a:extLst>
           </p:cNvPr>
@@ -2958,7 +2958,7 @@
           <p:cNvPr id="6" name="灯片编号占位符 5">
             <a:extLst>
               <a:ext uri="{FF2B5EF4-FFF2-40B4-BE49-F238E27FC236}">
-                <a16:creationId xmlns:a16="http://schemas.microsoft.com/office/drawing/2014/main" id="{C9C9A7A5-8067-786E-DBAF-55CA0138229F}"/>
+                <a16:creationId xmlns:a16="http://schemas.microsoft.com/office/drawing/2014/main" id="{98E1EF61-21BB-1AE3-A6C1-2B94613BD381}"/>
               </a:ext>
             </a:extLst>
           </p:cNvPr>
@@ -2992,7 +2992,7 @@
             </a:lvl1pPr>
           </a:lstStyle>
           <a:p>
-            <a:fld id="{BD5A8B78-1B2D-49B6-BD5A-A7C2A476D6FC}" type="slidenum">
+            <a:fld id="{49726BAD-B2D8-4CF7-9013-CB581FCB5DD4}" type="slidenum">
               <a:rPr lang="zh-CN" altLang="en-US" smtClean="0"/>
               <a:t>‹#›</a:t>
             </a:fld>
@@ -3003,7 +3003,7 @@
     </p:spTree>
     <p:extLst>
       <p:ext uri="{BB962C8B-B14F-4D97-AF65-F5344CB8AC3E}">
-        <p14:creationId xmlns:p14="http://schemas.microsoft.com/office/powerpoint/2010/main" val="576142372"/>
+        <p14:creationId xmlns:p14="http://schemas.microsoft.com/office/powerpoint/2010/main" val="3422251829"/>
       </p:ext>
     </p:extLst>
   </p:cSld>
@@ -3323,7 +3323,7 @@
       </p:grpSpPr>
       <p:pic>
         <p:nvPicPr>
-          <p:cNvPr id="1577986" name="Picture 2" descr="1540"/>
+          <p:cNvPr id="1579010" name="Picture 2" descr="1541"/>
           <p:cNvPicPr>
             <a:picLocks noChangeAspect="1" noChangeArrowheads="1"/>
           </p:cNvPicPr>
@@ -3344,8 +3344,8 @@
         </p:blipFill>
         <p:spPr bwMode="auto">
           <a:xfrm>
-            <a:off x="1524000" y="1"/>
-            <a:ext cx="9144000" cy="6454775"/>
+            <a:off x="1543050" y="0"/>
+            <a:ext cx="9124950" cy="6165850"/>
           </a:xfrm>
           <a:prstGeom prst="rect">
             <a:avLst/>
@@ -3375,158 +3375,11 @@
           </a:extLst>
         </p:spPr>
       </p:pic>
-      <p:pic>
-        <p:nvPicPr>
-          <p:cNvPr id="1579011" name="Picture 3" descr="1540-2"/>
-          <p:cNvPicPr>
-            <a:picLocks noChangeAspect="1" noChangeArrowheads="1"/>
-          </p:cNvPicPr>
-          <p:nvPr/>
-        </p:nvPicPr>
-        <p:blipFill>
-          <a:blip r:embed="rId3">
-            <a:extLst>
-              <a:ext uri="{28A0092B-C50C-407E-A947-70E740481C1C}">
-                <a14:useLocalDpi xmlns:a14="http://schemas.microsoft.com/office/drawing/2010/main" val="0"/>
-              </a:ext>
-            </a:extLst>
-          </a:blip>
-          <a:srcRect/>
-          <a:stretch>
-            <a:fillRect/>
-          </a:stretch>
-        </p:blipFill>
-        <p:spPr bwMode="auto">
-          <a:xfrm>
-            <a:off x="1524000" y="1588"/>
-            <a:ext cx="9145588" cy="6526212"/>
-          </a:xfrm>
-          <a:prstGeom prst="rect">
-            <a:avLst/>
-          </a:prstGeom>
-          <a:noFill/>
-          <a:ln>
-            <a:noFill/>
-          </a:ln>
-          <a:effectLst/>
-          <a:extLst>
-            <a:ext uri="{909E8E84-426E-40DD-AFC4-6F175D3DCCD1}">
-              <a14:hiddenFill xmlns:a14="http://schemas.microsoft.com/office/drawing/2010/main">
-                <a:solidFill>
-                  <a:srgbClr val="FFFFFF"/>
-                </a:solidFill>
-              </a14:hiddenFill>
-            </a:ext>
-            <a:ext uri="{91240B29-F687-4F45-9708-019B960494DF}">
-              <a14:hiddenLine xmlns:a14="http://schemas.microsoft.com/office/drawing/2010/main" w="9525">
-                <a:solidFill>
-                  <a:srgbClr val="000000"/>
-                </a:solidFill>
-                <a:miter lim="800000"/>
-                <a:headEnd/>
-                <a:tailEnd/>
-              </a14:hiddenLine>
-            </a:ext>
-            <a:ext uri="{AF507438-7753-43E0-B8FC-AC1667EBCBE1}">
-              <a14:hiddenEffects xmlns:a14="http://schemas.microsoft.com/office/drawing/2010/main">
-                <a:effectLst>
-                  <a:outerShdw dist="35921" dir="2700000" algn="ctr" rotWithShape="0">
-                    <a:srgbClr val="808080"/>
-                  </a:outerShdw>
-                </a:effectLst>
-              </a14:hiddenEffects>
-            </a:ext>
-          </a:extLst>
-        </p:spPr>
-      </p:pic>
     </p:spTree>
   </p:cSld>
   <p:clrMapOvr>
     <a:masterClrMapping/>
   </p:clrMapOvr>
-  <p:timing>
-    <p:tnLst>
-      <p:par>
-        <p:cTn id="1" dur="indefinite" restart="never" nodeType="tmRoot">
-          <p:childTnLst>
-            <p:seq concurrent="1" nextAc="seek">
-              <p:cTn id="2" dur="indefinite" nodeType="mainSeq">
-                <p:childTnLst>
-                  <p:par>
-                    <p:cTn id="3" fill="hold" nodeType="clickPar">
-                      <p:stCondLst>
-                        <p:cond delay="indefinite"/>
-                      </p:stCondLst>
-                      <p:childTnLst>
-                        <p:par>
-                          <p:cTn id="4" fill="hold" nodeType="withGroup">
-                            <p:stCondLst>
-                              <p:cond delay="0"/>
-                            </p:stCondLst>
-                            <p:childTnLst>
-                              <p:par>
-                                <p:cTn id="5" presetID="10" presetClass="entr" presetSubtype="0" fill="hold" nodeType="clickEffect">
-                                  <p:stCondLst>
-                                    <p:cond delay="0"/>
-                                  </p:stCondLst>
-                                  <p:childTnLst>
-                                    <p:set>
-                                      <p:cBhvr>
-                                        <p:cTn id="6" dur="1" fill="hold">
-                                          <p:stCondLst>
-                                            <p:cond delay="0"/>
-                                          </p:stCondLst>
-                                        </p:cTn>
-                                        <p:tgtEl>
-                                          <p:spTgt spid="1579011"/>
-                                        </p:tgtEl>
-                                        <p:attrNameLst>
-                                          <p:attrName>style.visibility</p:attrName>
-                                        </p:attrNameLst>
-                                      </p:cBhvr>
-                                      <p:to>
-                                        <p:strVal val="visible"/>
-                                      </p:to>
-                                    </p:set>
-                                    <p:animEffect transition="in" filter="fade">
-                                      <p:cBhvr>
-                                        <p:cTn id="7" dur="500"/>
-                                        <p:tgtEl>
-                                          <p:spTgt spid="1579011"/>
-                                        </p:tgtEl>
-                                      </p:cBhvr>
-                                    </p:animEffect>
-                                  </p:childTnLst>
-                                </p:cTn>
-                              </p:par>
-                            </p:childTnLst>
-                          </p:cTn>
-                        </p:par>
-                      </p:childTnLst>
-                    </p:cTn>
-                  </p:par>
-                </p:childTnLst>
-              </p:cTn>
-              <p:prevCondLst>
-                <p:cond evt="onPrev" delay="0">
-                  <p:tgtEl>
-                    <p:sldTgt/>
-                  </p:tgtEl>
-                </p:cond>
-              </p:prevCondLst>
-              <p:nextCondLst>
-                <p:cond evt="onNext" delay="0">
-                  <p:tgtEl>
-                    <p:sldTgt/>
-                  </p:tgtEl>
-                </p:cond>
-              </p:nextCondLst>
-            </p:seq>
-          </p:childTnLst>
-        </p:cTn>
-      </p:par>
-    </p:tnLst>
-  </p:timing>
 </p:sld>
 </file>
 
